--- a/WebAppPerformance/WebAppPerformance.pptx
+++ b/WebAppPerformance/WebAppPerformance.pptx
@@ -113,6 +113,11 @@
       </a:defRPr>
     </a:lvl9pPr>
   </p:defaultTextStyle>
+  <p:extLst>
+    <p:ext uri="{EFAFB233-063F-42B5-8137-9DF3F51BA10A}">
+      <p15:sldGuideLst xmlns:p15="http://schemas.microsoft.com/office/powerpoint/2012/main"/>
+    </p:ext>
+  </p:extLst>
 </p:presentation>
 </file>
 
@@ -3239,6 +3244,12 @@
           <a:p>
             <a:r>
               <a:rPr lang="en-DE" dirty="0"/>
+              <a:t>First Contentful Paint</a:t>
+            </a:r>
+          </a:p>
+          <a:p>
+            <a:r>
+              <a:rPr lang="en-DE" dirty="0"/>
               <a:t>Page Load Time</a:t>
             </a:r>
           </a:p>
@@ -3258,12 +3269,6 @@
             <a:r>
               <a:rPr lang="en-DE" dirty="0"/>
               <a:t>User Engagement</a:t>
-            </a:r>
-          </a:p>
-          <a:p>
-            <a:r>
-              <a:rPr lang="en-DE" dirty="0"/>
-              <a:t>Time on Page</a:t>
             </a:r>
           </a:p>
         </p:txBody>
@@ -3739,7 +3744,7 @@
           <a:p>
             <a:r>
               <a:rPr lang="en-DE" dirty="0"/>
-              <a:t>Amouont of time it takes webpage to fully load</a:t>
+              <a:t>Amount of time it takes webpage to fully load</a:t>
             </a:r>
           </a:p>
           <a:p>
